--- a/Игра-Лабиринт.pptx
+++ b/Игра-Лабиринт.pptx
@@ -246,7 +246,7 @@
           <a:p>
             <a:fld id="{2BFD540A-E927-414C-B320-372B822C62D0}" type="datetimeFigureOut">
               <a:rPr lang="ru-RU" smtClean="0"/>
-              <a:t>16.01.2023</a:t>
+              <a:t>19.01.2023</a:t>
             </a:fld>
             <a:endParaRPr lang="ru-RU"/>
           </a:p>
@@ -416,7 +416,7 @@
           <a:p>
             <a:fld id="{2BFD540A-E927-414C-B320-372B822C62D0}" type="datetimeFigureOut">
               <a:rPr lang="ru-RU" smtClean="0"/>
-              <a:t>16.01.2023</a:t>
+              <a:t>19.01.2023</a:t>
             </a:fld>
             <a:endParaRPr lang="ru-RU"/>
           </a:p>
@@ -596,7 +596,7 @@
           <a:p>
             <a:fld id="{2BFD540A-E927-414C-B320-372B822C62D0}" type="datetimeFigureOut">
               <a:rPr lang="ru-RU" smtClean="0"/>
-              <a:t>16.01.2023</a:t>
+              <a:t>19.01.2023</a:t>
             </a:fld>
             <a:endParaRPr lang="ru-RU"/>
           </a:p>
@@ -766,7 +766,7 @@
           <a:p>
             <a:fld id="{2BFD540A-E927-414C-B320-372B822C62D0}" type="datetimeFigureOut">
               <a:rPr lang="ru-RU" smtClean="0"/>
-              <a:t>16.01.2023</a:t>
+              <a:t>19.01.2023</a:t>
             </a:fld>
             <a:endParaRPr lang="ru-RU"/>
           </a:p>
@@ -1012,7 +1012,7 @@
           <a:p>
             <a:fld id="{2BFD540A-E927-414C-B320-372B822C62D0}" type="datetimeFigureOut">
               <a:rPr lang="ru-RU" smtClean="0"/>
-              <a:t>16.01.2023</a:t>
+              <a:t>19.01.2023</a:t>
             </a:fld>
             <a:endParaRPr lang="ru-RU"/>
           </a:p>
@@ -1244,7 +1244,7 @@
           <a:p>
             <a:fld id="{2BFD540A-E927-414C-B320-372B822C62D0}" type="datetimeFigureOut">
               <a:rPr lang="ru-RU" smtClean="0"/>
-              <a:t>16.01.2023</a:t>
+              <a:t>19.01.2023</a:t>
             </a:fld>
             <a:endParaRPr lang="ru-RU"/>
           </a:p>
@@ -1611,7 +1611,7 @@
           <a:p>
             <a:fld id="{2BFD540A-E927-414C-B320-372B822C62D0}" type="datetimeFigureOut">
               <a:rPr lang="ru-RU" smtClean="0"/>
-              <a:t>16.01.2023</a:t>
+              <a:t>19.01.2023</a:t>
             </a:fld>
             <a:endParaRPr lang="ru-RU"/>
           </a:p>
@@ -1729,7 +1729,7 @@
           <a:p>
             <a:fld id="{2BFD540A-E927-414C-B320-372B822C62D0}" type="datetimeFigureOut">
               <a:rPr lang="ru-RU" smtClean="0"/>
-              <a:t>16.01.2023</a:t>
+              <a:t>19.01.2023</a:t>
             </a:fld>
             <a:endParaRPr lang="ru-RU"/>
           </a:p>
@@ -1824,7 +1824,7 @@
           <a:p>
             <a:fld id="{2BFD540A-E927-414C-B320-372B822C62D0}" type="datetimeFigureOut">
               <a:rPr lang="ru-RU" smtClean="0"/>
-              <a:t>16.01.2023</a:t>
+              <a:t>19.01.2023</a:t>
             </a:fld>
             <a:endParaRPr lang="ru-RU"/>
           </a:p>
@@ -2101,7 +2101,7 @@
           <a:p>
             <a:fld id="{2BFD540A-E927-414C-B320-372B822C62D0}" type="datetimeFigureOut">
               <a:rPr lang="ru-RU" smtClean="0"/>
-              <a:t>16.01.2023</a:t>
+              <a:t>19.01.2023</a:t>
             </a:fld>
             <a:endParaRPr lang="ru-RU"/>
           </a:p>
@@ -2354,7 +2354,7 @@
           <a:p>
             <a:fld id="{2BFD540A-E927-414C-B320-372B822C62D0}" type="datetimeFigureOut">
               <a:rPr lang="ru-RU" smtClean="0"/>
-              <a:t>16.01.2023</a:t>
+              <a:t>19.01.2023</a:t>
             </a:fld>
             <a:endParaRPr lang="ru-RU"/>
           </a:p>
@@ -2567,7 +2567,7 @@
           <a:p>
             <a:fld id="{2BFD540A-E927-414C-B320-372B822C62D0}" type="datetimeFigureOut">
               <a:rPr lang="ru-RU" smtClean="0"/>
-              <a:t>16.01.2023</a:t>
+              <a:t>19.01.2023</a:t>
             </a:fld>
             <a:endParaRPr lang="ru-RU"/>
           </a:p>
@@ -2958,6 +2958,20 @@
 <file path=ppt/slides/slide1.xml><?xml version="1.0" encoding="utf-8"?>
 <p:sld xmlns:a="http://schemas.openxmlformats.org/drawingml/2006/main" xmlns:r="http://schemas.openxmlformats.org/officeDocument/2006/relationships" xmlns:p="http://schemas.openxmlformats.org/presentationml/2006/main">
   <p:cSld>
+    <p:bg>
+      <p:bgPr>
+        <a:blipFill dpi="0" rotWithShape="1">
+          <a:blip r:embed="rId2">
+            <a:lum/>
+          </a:blip>
+          <a:srcRect/>
+          <a:stretch>
+            <a:fillRect t="-9000" b="-9000"/>
+          </a:stretch>
+        </a:blipFill>
+        <a:effectLst/>
+      </p:bgPr>
+    </p:bg>
     <p:spTree>
       <p:nvGrpSpPr>
         <p:cNvPr id="1" name=""/>
@@ -2993,10 +3007,26 @@
           <a:lstStyle/>
           <a:p>
             <a:r>
-              <a:rPr lang="ru-RU" dirty="0" smtClean="0"/>
-              <a:t>Игра-Лабиринт</a:t>
-            </a:r>
-            <a:endParaRPr lang="ru-RU" dirty="0"/>
+              <a:rPr lang="ru-RU" dirty="0" smtClean="0">
+                <a:latin typeface="Arial Black" panose="020B0A04020102020204" pitchFamily="34" charset="0"/>
+              </a:rPr>
+              <a:t>Игра</a:t>
+            </a:r>
+            <a:r>
+              <a:rPr lang="en-US" dirty="0">
+                <a:latin typeface="Arial Black" panose="020B0A04020102020204" pitchFamily="34" charset="0"/>
+              </a:rPr>
+              <a:t>-</a:t>
+            </a:r>
+            <a:r>
+              <a:rPr lang="ru-RU" dirty="0" smtClean="0">
+                <a:latin typeface="Arial Black" panose="020B0A04020102020204" pitchFamily="34" charset="0"/>
+              </a:rPr>
+              <a:t>Лабиринт</a:t>
+            </a:r>
+            <a:endParaRPr lang="ru-RU" dirty="0">
+              <a:latin typeface="Arial Black" panose="020B0A04020102020204" pitchFamily="34" charset="0"/>
+            </a:endParaRPr>
           </a:p>
         </p:txBody>
       </p:sp>
@@ -3025,11 +3055,7 @@
             </a:r>
             <a:r>
               <a:rPr lang="ru-RU" dirty="0" smtClean="0"/>
-              <a:t> </a:t>
-            </a:r>
-            <a:r>
-              <a:rPr lang="ru-RU" dirty="0" smtClean="0"/>
-              <a:t>Андрей Александрович</a:t>
+              <a:t> Андрей Александрович</a:t>
             </a:r>
             <a:endParaRPr lang="ru-RU" dirty="0"/>
           </a:p>
@@ -3045,12 +3071,33 @@
   <p:clrMapOvr>
     <a:masterClrMapping/>
   </p:clrMapOvr>
+  <p:timing>
+    <p:tnLst>
+      <p:par>
+        <p:cTn id="1" dur="indefinite" restart="never" nodeType="tmRoot"/>
+      </p:par>
+    </p:tnLst>
+  </p:timing>
 </p:sld>
 </file>
 
 <file path=ppt/slides/slide2.xml><?xml version="1.0" encoding="utf-8"?>
 <p:sld xmlns:a="http://schemas.openxmlformats.org/drawingml/2006/main" xmlns:r="http://schemas.openxmlformats.org/officeDocument/2006/relationships" xmlns:p="http://schemas.openxmlformats.org/presentationml/2006/main">
   <p:cSld>
+    <p:bg>
+      <p:bgPr>
+        <a:blipFill dpi="0" rotWithShape="1">
+          <a:blip r:embed="rId2">
+            <a:lum/>
+          </a:blip>
+          <a:srcRect/>
+          <a:stretch>
+            <a:fillRect t="-9000" b="-9000"/>
+          </a:stretch>
+        </a:blipFill>
+        <a:effectLst/>
+      </p:bgPr>
+    </p:bg>
     <p:spTree>
       <p:nvGrpSpPr>
         <p:cNvPr id="1" name=""/>
@@ -3089,10 +3136,10 @@
           <a:p>
             <a:pPr algn="ctr"/>
             <a:r>
-              <a:rPr lang="ru-RU" sz="4000" dirty="0" smtClean="0">
+              <a:rPr lang="en-US" sz="4000" dirty="0" smtClean="0">
                 <a:latin typeface="Arial Black" panose="020B0A04020102020204" pitchFamily="34" charset="0"/>
               </a:rPr>
-              <a:t>Введение</a:t>
+              <a:t>PYGAME</a:t>
             </a:r>
             <a:endParaRPr lang="ru-RU" sz="4000" dirty="0">
               <a:latin typeface="Arial Black" panose="020B0A04020102020204" pitchFamily="34" charset="0"/>
@@ -3100,76 +3147,78 @@
           </a:p>
         </p:txBody>
       </p:sp>
-      <p:sp>
-        <p:nvSpPr>
-          <p:cNvPr id="3" name="Текст 2"/>
-          <p:cNvSpPr>
-            <a:spLocks noGrp="1"/>
-          </p:cNvSpPr>
-          <p:nvPr>
-            <p:ph type="body" idx="1"/>
-          </p:nvPr>
-        </p:nvSpPr>
+      <p:pic>
+        <p:nvPicPr>
+          <p:cNvPr id="4" name="Рисунок 3"/>
+          <p:cNvPicPr>
+            <a:picLocks noChangeAspect="1"/>
+          </p:cNvPicPr>
+          <p:nvPr/>
+        </p:nvPicPr>
+        <p:blipFill>
+          <a:blip r:embed="rId3"/>
+          <a:stretch>
+            <a:fillRect/>
+          </a:stretch>
+        </p:blipFill>
         <p:spPr>
           <a:xfrm>
-            <a:off x="744277" y="1879514"/>
-            <a:ext cx="10515600" cy="1500187"/>
+            <a:off x="9047562" y="1695450"/>
+            <a:ext cx="3144437" cy="2465126"/>
           </a:xfrm>
+          <a:prstGeom prst="rect">
+            <a:avLst/>
+          </a:prstGeom>
         </p:spPr>
-        <p:txBody>
-          <a:bodyPr/>
-          <a:lstStyle/>
-          <a:p>
-            <a:r>
-              <a:rPr lang="ru-RU" dirty="0" smtClean="0">
-                <a:solidFill>
-                  <a:schemeClr val="tx2">
-                    <a:lumMod val="75000"/>
-                  </a:schemeClr>
-                </a:solidFill>
-              </a:rPr>
-              <a:t>Проект был создан с идеей о создании собственной игры на </a:t>
-            </a:r>
-            <a:r>
-              <a:rPr lang="en-US" dirty="0" err="1" smtClean="0">
-                <a:solidFill>
-                  <a:schemeClr val="tx2">
-                    <a:lumMod val="75000"/>
-                  </a:schemeClr>
-                </a:solidFill>
-              </a:rPr>
-              <a:t>pygame</a:t>
-            </a:r>
-            <a:r>
-              <a:rPr lang="en-US" dirty="0" smtClean="0">
-                <a:solidFill>
-                  <a:schemeClr val="tx2">
-                    <a:lumMod val="75000"/>
-                  </a:schemeClr>
-                </a:solidFill>
-              </a:rPr>
-              <a:t>. </a:t>
-            </a:r>
-            <a:r>
-              <a:rPr lang="ru-RU" dirty="0" smtClean="0">
-                <a:solidFill>
-                  <a:schemeClr val="tx2">
-                    <a:lumMod val="75000"/>
-                  </a:schemeClr>
-                </a:solidFill>
-              </a:rPr>
-              <a:t>Этой игрой является лабиринт, в который можно сыграть</a:t>
-            </a:r>
-            <a:endParaRPr lang="ru-RU" dirty="0">
-              <a:solidFill>
-                <a:schemeClr val="tx2">
-                  <a:lumMod val="75000"/>
-                </a:schemeClr>
-              </a:solidFill>
-            </a:endParaRPr>
-          </a:p>
-        </p:txBody>
-      </p:sp>
+      </p:pic>
+      <p:pic>
+        <p:nvPicPr>
+          <p:cNvPr id="5" name="Рисунок 4"/>
+          <p:cNvPicPr>
+            <a:picLocks noChangeAspect="1"/>
+          </p:cNvPicPr>
+          <p:nvPr/>
+        </p:nvPicPr>
+        <p:blipFill>
+          <a:blip r:embed="rId4"/>
+          <a:stretch>
+            <a:fillRect/>
+          </a:stretch>
+        </p:blipFill>
+        <p:spPr>
+          <a:xfrm>
+            <a:off x="4752975" y="1447800"/>
+            <a:ext cx="3467398" cy="2712775"/>
+          </a:xfrm>
+          <a:prstGeom prst="rect">
+            <a:avLst/>
+          </a:prstGeom>
+        </p:spPr>
+      </p:pic>
+      <p:pic>
+        <p:nvPicPr>
+          <p:cNvPr id="7" name="Рисунок 6"/>
+          <p:cNvPicPr>
+            <a:picLocks noChangeAspect="1"/>
+          </p:cNvPicPr>
+          <p:nvPr/>
+        </p:nvPicPr>
+        <p:blipFill>
+          <a:blip r:embed="rId5"/>
+          <a:stretch>
+            <a:fillRect/>
+          </a:stretch>
+        </p:blipFill>
+        <p:spPr>
+          <a:xfrm>
+            <a:off x="671724" y="1695450"/>
+            <a:ext cx="3162404" cy="2465126"/>
+          </a:xfrm>
+          <a:prstGeom prst="rect">
+            <a:avLst/>
+          </a:prstGeom>
+        </p:spPr>
+      </p:pic>
     </p:spTree>
     <p:extLst>
       <p:ext uri="{BB962C8B-B14F-4D97-AF65-F5344CB8AC3E}">
@@ -3180,12 +3229,33 @@
   <p:clrMapOvr>
     <a:masterClrMapping/>
   </p:clrMapOvr>
+  <p:timing>
+    <p:tnLst>
+      <p:par>
+        <p:cTn id="1" dur="indefinite" restart="never" nodeType="tmRoot"/>
+      </p:par>
+    </p:tnLst>
+  </p:timing>
 </p:sld>
 </file>
 
 <file path=ppt/slides/slide3.xml><?xml version="1.0" encoding="utf-8"?>
 <p:sld xmlns:a="http://schemas.openxmlformats.org/drawingml/2006/main" xmlns:r="http://schemas.openxmlformats.org/officeDocument/2006/relationships" xmlns:p="http://schemas.openxmlformats.org/presentationml/2006/main">
   <p:cSld>
+    <p:bg>
+      <p:bgPr>
+        <a:blipFill dpi="0" rotWithShape="1">
+          <a:blip r:embed="rId2">
+            <a:lum/>
+          </a:blip>
+          <a:srcRect/>
+          <a:stretch>
+            <a:fillRect t="-9000" b="-9000"/>
+          </a:stretch>
+        </a:blipFill>
+        <a:effectLst/>
+      </p:bgPr>
+    </p:bg>
     <p:spTree>
       <p:nvGrpSpPr>
         <p:cNvPr id="1" name=""/>
@@ -3212,7 +3282,7 @@
         </p:nvSpPr>
         <p:spPr>
           <a:xfrm rot="10800000" flipV="1">
-            <a:off x="831850" y="498764"/>
+            <a:off x="902188" y="280264"/>
             <a:ext cx="10515600" cy="811963"/>
           </a:xfrm>
         </p:spPr>
@@ -3247,24 +3317,18 @@
         </p:nvSpPr>
         <p:spPr>
           <a:xfrm>
-            <a:off x="831850" y="2029143"/>
-            <a:ext cx="10515600" cy="1500187"/>
+            <a:off x="3865822" y="2057664"/>
+            <a:ext cx="1844848" cy="888624"/>
           </a:xfrm>
         </p:spPr>
         <p:txBody>
           <a:bodyPr/>
           <a:lstStyle/>
           <a:p>
-            <a:r>
-              <a:rPr lang="ru-RU" dirty="0" smtClean="0">
-                <a:solidFill>
-                  <a:schemeClr val="tx2">
-                    <a:lumMod val="75000"/>
-                  </a:schemeClr>
-                </a:solidFill>
-              </a:rPr>
-              <a:t>Для проекта использовались технологии </a:t>
-            </a:r>
+            <a:pPr marL="457200" indent="-457200">
+              <a:buFont typeface="+mj-lt"/>
+              <a:buAutoNum type="arabicPeriod"/>
+            </a:pPr>
             <a:r>
               <a:rPr lang="en-US" dirty="0" err="1" smtClean="0">
                 <a:solidFill>
@@ -3273,7 +3337,7 @@
                   </a:schemeClr>
                 </a:solidFill>
               </a:rPr>
-              <a:t>pygame</a:t>
+              <a:t>Pygame</a:t>
             </a:r>
             <a:r>
               <a:rPr lang="en-US" dirty="0" smtClean="0">
@@ -3283,18 +3347,14 @@
                   </a:schemeClr>
                 </a:solidFill>
               </a:rPr>
-              <a:t> </a:t>
-            </a:r>
-            <a:r>
-              <a:rPr lang="ru-RU" dirty="0" smtClean="0">
-                <a:solidFill>
-                  <a:schemeClr val="tx2">
-                    <a:lumMod val="75000"/>
-                  </a:schemeClr>
-                </a:solidFill>
-              </a:rPr>
-              <a:t>и </a:t>
-            </a:r>
+              <a:t>      </a:t>
+            </a:r>
+          </a:p>
+          <a:p>
+            <a:pPr marL="457200" indent="-457200">
+              <a:buFont typeface="+mj-lt"/>
+              <a:buAutoNum type="arabicPeriod"/>
+            </a:pPr>
             <a:r>
               <a:rPr lang="en-US" dirty="0" smtClean="0">
                 <a:solidFill>
@@ -3303,107 +3363,7 @@
                   </a:schemeClr>
                 </a:solidFill>
               </a:rPr>
-              <a:t>random</a:t>
-            </a:r>
-            <a:r>
-              <a:rPr lang="ru-RU" dirty="0" smtClean="0">
-                <a:solidFill>
-                  <a:schemeClr val="tx2">
-                    <a:lumMod val="75000"/>
-                  </a:schemeClr>
-                </a:solidFill>
-              </a:rPr>
-              <a:t>. Классы в игре делятся на 3 типа</a:t>
-            </a:r>
-            <a:r>
-              <a:rPr lang="en-US" dirty="0" smtClean="0">
-                <a:solidFill>
-                  <a:schemeClr val="tx2">
-                    <a:lumMod val="75000"/>
-                  </a:schemeClr>
-                </a:solidFill>
-              </a:rPr>
-              <a:t>: </a:t>
-            </a:r>
-            <a:r>
-              <a:rPr lang="ru-RU" dirty="0" smtClean="0">
-                <a:solidFill>
-                  <a:schemeClr val="tx2">
-                    <a:lumMod val="75000"/>
-                  </a:schemeClr>
-                </a:solidFill>
-              </a:rPr>
-              <a:t>визуальные(</a:t>
-            </a:r>
-            <a:r>
-              <a:rPr lang="en-US" dirty="0" smtClean="0">
-                <a:solidFill>
-                  <a:schemeClr val="tx2">
-                    <a:lumMod val="75000"/>
-                  </a:schemeClr>
-                </a:solidFill>
-              </a:rPr>
-              <a:t>Particle), </a:t>
-            </a:r>
-            <a:r>
-              <a:rPr lang="ru-RU" dirty="0" smtClean="0">
-                <a:solidFill>
-                  <a:schemeClr val="tx2">
-                    <a:lumMod val="75000"/>
-                  </a:schemeClr>
-                </a:solidFill>
-              </a:rPr>
-              <a:t>создающие игру(</a:t>
-            </a:r>
-            <a:r>
-              <a:rPr lang="en-US" dirty="0" smtClean="0">
-                <a:solidFill>
-                  <a:schemeClr val="tx2">
-                    <a:lumMod val="75000"/>
-                  </a:schemeClr>
-                </a:solidFill>
-              </a:rPr>
-              <a:t>Labyrinth, Hero, Enemy)</a:t>
-            </a:r>
-            <a:r>
-              <a:rPr lang="ru-RU" dirty="0" smtClean="0">
-                <a:solidFill>
-                  <a:schemeClr val="tx2">
-                    <a:lumMod val="75000"/>
-                  </a:schemeClr>
-                </a:solidFill>
-              </a:rPr>
-              <a:t> и определяющие игру</a:t>
-            </a:r>
-            <a:r>
-              <a:rPr lang="en-US" dirty="0" smtClean="0">
-                <a:solidFill>
-                  <a:schemeClr val="tx2">
-                    <a:lumMod val="75000"/>
-                  </a:schemeClr>
-                </a:solidFill>
-              </a:rPr>
-              <a:t>(Game</a:t>
-            </a:r>
-            <a:r>
-              <a:rPr lang="ru-RU" dirty="0" smtClean="0">
-                <a:solidFill>
-                  <a:schemeClr val="tx2">
-                    <a:lumMod val="75000"/>
-                  </a:schemeClr>
-                </a:solidFill>
-              </a:rPr>
-              <a:t>, </a:t>
-            </a:r>
-            <a:r>
-              <a:rPr lang="en-US" dirty="0" smtClean="0">
-                <a:solidFill>
-                  <a:schemeClr val="tx2">
-                    <a:lumMod val="75000"/>
-                  </a:schemeClr>
-                </a:solidFill>
-              </a:rPr>
-              <a:t>Headpiece).</a:t>
+              <a:t>Random</a:t>
             </a:r>
             <a:endParaRPr lang="ru-RU" dirty="0">
               <a:solidFill>
@@ -3412,6 +3372,134 @@
                 </a:schemeClr>
               </a:solidFill>
             </a:endParaRPr>
+          </a:p>
+        </p:txBody>
+      </p:sp>
+      <p:sp>
+        <p:nvSpPr>
+          <p:cNvPr id="8" name="TextBox 7"/>
+          <p:cNvSpPr txBox="1"/>
+          <p:nvPr/>
+        </p:nvSpPr>
+        <p:spPr>
+          <a:xfrm>
+            <a:off x="6305630" y="1681643"/>
+            <a:ext cx="3682538" cy="2031325"/>
+          </a:xfrm>
+          <a:prstGeom prst="rect">
+            <a:avLst/>
+          </a:prstGeom>
+          <a:noFill/>
+        </p:spPr>
+        <p:txBody>
+          <a:bodyPr wrap="square" rtlCol="0">
+            <a:spAutoFit/>
+          </a:bodyPr>
+          <a:lstStyle/>
+          <a:p>
+            <a:r>
+              <a:rPr lang="ru-RU" dirty="0" smtClean="0"/>
+              <a:t>Классы</a:t>
+            </a:r>
+            <a:r>
+              <a:rPr lang="en-US" dirty="0" smtClean="0"/>
+              <a:t>:</a:t>
+            </a:r>
+          </a:p>
+          <a:p>
+            <a:pPr marL="285750" indent="-285750">
+              <a:buFont typeface="Arial" panose="020B0604020202020204" pitchFamily="34" charset="0"/>
+              <a:buChar char="•"/>
+            </a:pPr>
+            <a:r>
+              <a:rPr lang="en-US" dirty="0" smtClean="0"/>
+              <a:t>Particle</a:t>
+            </a:r>
+          </a:p>
+          <a:p>
+            <a:pPr marL="285750" indent="-285750">
+              <a:buFont typeface="Arial" panose="020B0604020202020204" pitchFamily="34" charset="0"/>
+              <a:buChar char="•"/>
+            </a:pPr>
+            <a:r>
+              <a:rPr lang="en-US" dirty="0" smtClean="0"/>
+              <a:t>Headpiece</a:t>
+            </a:r>
+          </a:p>
+          <a:p>
+            <a:pPr marL="285750" indent="-285750">
+              <a:buFont typeface="Arial" panose="020B0604020202020204" pitchFamily="34" charset="0"/>
+              <a:buChar char="•"/>
+            </a:pPr>
+            <a:r>
+              <a:rPr lang="en-US" dirty="0" smtClean="0"/>
+              <a:t>Labyrinth</a:t>
+            </a:r>
+          </a:p>
+          <a:p>
+            <a:pPr marL="285750" indent="-285750">
+              <a:buFont typeface="Arial" panose="020B0604020202020204" pitchFamily="34" charset="0"/>
+              <a:buChar char="•"/>
+            </a:pPr>
+            <a:r>
+              <a:rPr lang="en-US" dirty="0" smtClean="0"/>
+              <a:t>Hero</a:t>
+            </a:r>
+          </a:p>
+          <a:p>
+            <a:pPr marL="285750" indent="-285750">
+              <a:buFont typeface="Arial" panose="020B0604020202020204" pitchFamily="34" charset="0"/>
+              <a:buChar char="•"/>
+            </a:pPr>
+            <a:r>
+              <a:rPr lang="en-US" dirty="0" smtClean="0"/>
+              <a:t>Enemy</a:t>
+            </a:r>
+          </a:p>
+          <a:p>
+            <a:pPr marL="285750" indent="-285750">
+              <a:buFont typeface="Arial" panose="020B0604020202020204" pitchFamily="34" charset="0"/>
+              <a:buChar char="•"/>
+            </a:pPr>
+            <a:r>
+              <a:rPr lang="en-US" dirty="0" smtClean="0"/>
+              <a:t>Game</a:t>
+            </a:r>
+            <a:endParaRPr lang="ru-RU" dirty="0"/>
+          </a:p>
+        </p:txBody>
+      </p:sp>
+      <p:sp>
+        <p:nvSpPr>
+          <p:cNvPr id="9" name="TextBox 8"/>
+          <p:cNvSpPr txBox="1"/>
+          <p:nvPr/>
+        </p:nvSpPr>
+        <p:spPr>
+          <a:xfrm>
+            <a:off x="4275798" y="1688332"/>
+            <a:ext cx="1024896" cy="369332"/>
+          </a:xfrm>
+          <a:prstGeom prst="rect">
+            <a:avLst/>
+          </a:prstGeom>
+          <a:noFill/>
+        </p:spPr>
+        <p:txBody>
+          <a:bodyPr wrap="none" rtlCol="0">
+            <a:spAutoFit/>
+          </a:bodyPr>
+          <a:lstStyle/>
+          <a:p>
+            <a:r>
+              <a:rPr lang="ru-RU" dirty="0" smtClean="0"/>
+              <a:t>Модули</a:t>
+            </a:r>
+            <a:r>
+              <a:rPr lang="en-US" dirty="0" smtClean="0"/>
+              <a:t>:</a:t>
+            </a:r>
+            <a:endParaRPr lang="ru-RU" dirty="0"/>
           </a:p>
         </p:txBody>
       </p:sp>
@@ -3425,12 +3513,33 @@
   <p:clrMapOvr>
     <a:masterClrMapping/>
   </p:clrMapOvr>
+  <p:timing>
+    <p:tnLst>
+      <p:par>
+        <p:cTn id="1" dur="indefinite" restart="never" nodeType="tmRoot"/>
+      </p:par>
+    </p:tnLst>
+  </p:timing>
 </p:sld>
 </file>
 
 <file path=ppt/slides/slide4.xml><?xml version="1.0" encoding="utf-8"?>
 <p:sld xmlns:a="http://schemas.openxmlformats.org/drawingml/2006/main" xmlns:r="http://schemas.openxmlformats.org/officeDocument/2006/relationships" xmlns:p="http://schemas.openxmlformats.org/presentationml/2006/main">
   <p:cSld>
+    <p:bg>
+      <p:bgPr>
+        <a:blipFill dpi="0" rotWithShape="1">
+          <a:blip r:embed="rId2">
+            <a:lum/>
+          </a:blip>
+          <a:srcRect/>
+          <a:stretch>
+            <a:fillRect t="-9000" b="-9000"/>
+          </a:stretch>
+        </a:blipFill>
+        <a:effectLst/>
+      </p:bgPr>
+    </p:bg>
     <p:spTree>
       <p:nvGrpSpPr>
         <p:cNvPr id="1" name=""/>
@@ -3457,23 +3566,23 @@
         </p:nvSpPr>
         <p:spPr>
           <a:xfrm>
-            <a:off x="1524000" y="565411"/>
+            <a:off x="1514475" y="393961"/>
             <a:ext cx="9144000" cy="781252"/>
           </a:xfrm>
         </p:spPr>
         <p:txBody>
           <a:bodyPr>
-            <a:normAutofit fontScale="90000"/>
+            <a:normAutofit/>
           </a:bodyPr>
           <a:lstStyle/>
           <a:p>
             <a:r>
-              <a:rPr lang="ru-RU" dirty="0" smtClean="0">
+              <a:rPr lang="ru-RU" sz="4000" dirty="0" smtClean="0">
                 <a:latin typeface="Arial Black" panose="020B0A04020102020204" pitchFamily="34" charset="0"/>
               </a:rPr>
               <a:t>Заключение</a:t>
             </a:r>
-            <a:endParaRPr lang="ru-RU" dirty="0">
+            <a:endParaRPr lang="ru-RU" sz="4000" dirty="0">
               <a:latin typeface="Arial Black" panose="020B0A04020102020204" pitchFamily="34" charset="0"/>
             </a:endParaRPr>
           </a:p>
@@ -3489,7 +3598,12 @@
             <p:ph type="subTitle" idx="1"/>
           </p:nvPr>
         </p:nvSpPr>
-        <p:spPr/>
+        <p:spPr>
+          <a:xfrm>
+            <a:off x="3924300" y="1522962"/>
+            <a:ext cx="5886450" cy="2696614"/>
+          </a:xfrm>
+        </p:spPr>
         <p:txBody>
           <a:bodyPr/>
           <a:lstStyle/>
@@ -3497,23 +3611,51 @@
             <a:pPr algn="l"/>
             <a:r>
               <a:rPr lang="ru-RU" dirty="0" smtClean="0"/>
-              <a:t>Эта работа научила меня работать с </a:t>
-            </a:r>
-            <a:r>
-              <a:rPr lang="en-US" dirty="0" err="1" smtClean="0"/>
-              <a:t>pygame</a:t>
-            </a:r>
+              <a:t>Возможные доработки</a:t>
+            </a:r>
+            <a:r>
+              <a:rPr lang="en-US" dirty="0" smtClean="0"/>
+              <a:t>:</a:t>
+            </a:r>
+          </a:p>
+          <a:p>
+            <a:pPr marL="342900" indent="-342900" algn="l">
+              <a:buFont typeface="Arial" panose="020B0604020202020204" pitchFamily="34" charset="0"/>
+              <a:buChar char="•"/>
+            </a:pPr>
             <a:r>
               <a:rPr lang="ru-RU" dirty="0" smtClean="0"/>
-              <a:t>, а также я научился создавать частицы. В программе еще можно доработать некоторые вещи</a:t>
-            </a:r>
-            <a:r>
-              <a:rPr lang="en-US" dirty="0" smtClean="0"/>
-              <a:t>: </a:t>
-            </a:r>
+              <a:t>Анимации персонажей</a:t>
+            </a:r>
+          </a:p>
+          <a:p>
+            <a:pPr marL="342900" indent="-342900" algn="l">
+              <a:buFont typeface="Arial" panose="020B0604020202020204" pitchFamily="34" charset="0"/>
+              <a:buChar char="•"/>
+            </a:pPr>
             <a:r>
               <a:rPr lang="ru-RU" dirty="0" smtClean="0"/>
-              <a:t>добавить анимации персонажам, а также звуковое сопровождение и редактор карт</a:t>
+              <a:t>Звуковое сопровождение</a:t>
+            </a:r>
+          </a:p>
+          <a:p>
+            <a:pPr marL="342900" indent="-342900" algn="l">
+              <a:buFont typeface="Arial" panose="020B0604020202020204" pitchFamily="34" charset="0"/>
+              <a:buChar char="•"/>
+            </a:pPr>
+            <a:r>
+              <a:rPr lang="ru-RU" dirty="0" smtClean="0"/>
+              <a:t>Редактор карт</a:t>
+            </a:r>
+          </a:p>
+          <a:p>
+            <a:pPr marL="342900" indent="-342900" algn="l">
+              <a:buFont typeface="Arial" panose="020B0604020202020204" pitchFamily="34" charset="0"/>
+              <a:buChar char="•"/>
+            </a:pPr>
+            <a:r>
+              <a:rPr lang="ru-RU" dirty="0" smtClean="0"/>
+              <a:t>Добавление меню</a:t>
             </a:r>
             <a:endParaRPr lang="ru-RU" dirty="0"/>
           </a:p>
@@ -3529,6 +3671,13 @@
   <p:clrMapOvr>
     <a:masterClrMapping/>
   </p:clrMapOvr>
+  <p:timing>
+    <p:tnLst>
+      <p:par>
+        <p:cTn id="1" dur="indefinite" restart="never" nodeType="tmRoot"/>
+      </p:par>
+    </p:tnLst>
+  </p:timing>
 </p:sld>
 </file>
 
